--- a/IOT/Notes/Introduction to Raspberry Pi.pptx
+++ b/IOT/Notes/Introduction to Raspberry Pi.pptx
@@ -146,15 +146,188 @@
 <file path=ppt/revisionInfo.xml><?xml version="1.0" encoding="utf-8"?>
 <p1510:revInfo xmlns:a="http://schemas.openxmlformats.org/drawingml/2006/main" xmlns:r="http://schemas.openxmlformats.org/officeDocument/2006/relationships" xmlns:p1510="http://schemas.microsoft.com/office/powerpoint/2015/10/main">
   <p1510:revLst>
-    <p1510:client id="{003D0C82-200D-905D-3F24-82EC81392188}" v="1" dt="2022-03-25T09:43:59.559"/>
-    <p1510:client id="{17EDFB14-C36F-2198-A4A1-F6D83C140A8F}" v="23" dt="2023-03-03T08:52:18.085"/>
-    <p1510:client id="{28ACF297-20DE-D7EE-D7B0-C5E72E90F993}" v="3039" dt="2023-02-20T06:28:09.072"/>
-    <p1510:client id="{348D638B-F711-15B9-3600-FC5E4099E8E5}" v="1" dt="2022-03-30T04:58:23.083"/>
-    <p1510:client id="{A052818A-9A79-AB1A-7EF2-A1F6635AE8F5}" v="40" dt="2023-02-18T17:33:10.957"/>
-    <p1510:client id="{D3339E4C-1EDA-18D9-E9B3-C9E2072444FF}" v="679" dt="2023-02-22T09:03:56.781"/>
-    <p1510:client id="{ED40B975-6EB1-872F-BF90-B1E921CC2019}" v="53" dt="2023-02-22T09:27:39.687"/>
+    <p1510:client id="{06163BC6-8BAD-1E06-6D3A-40C1D37FB11B}" v="4" dt="2024-07-02T09:54:32.804"/>
+    <p1510:client id="{18D8799E-AA4E-EF8E-6A1D-420AB2C865EE}" v="2" dt="2024-07-02T04:03:14.051"/>
+    <p1510:client id="{87260E9B-114F-4BD2-C41F-B0D4D763A620}" v="1" dt="2024-07-01T16:15:46.647"/>
+    <p1510:client id="{8E34C29E-BB98-E382-DC05-B00A1607EC86}" v="3" dt="2024-07-02T09:56:08.554"/>
+    <p1510:client id="{DDDA3265-4526-2F93-B2B4-9D247EAB4C95}" v="2" dt="2024-07-01T16:24:36.810"/>
+    <p1510:client id="{E4562221-950F-08F7-2F61-9220EA531751}" v="2" dt="2024-07-02T08:24:43.684"/>
+    <p1510:client id="{EBE8EE81-8137-200A-1DDD-66528468E2EF}" v="2" dt="2024-07-02T08:44:58.574"/>
   </p1510:revLst>
 </p1510:revInfo>
+</file>
+
+<file path=ppt/changesInfos/changesInfo1.xml><?xml version="1.0" encoding="utf-8"?>
+<pc:chgInfo xmlns:a="http://schemas.openxmlformats.org/drawingml/2006/main" xmlns:r="http://schemas.openxmlformats.org/officeDocument/2006/relationships" xmlns:ac="http://schemas.microsoft.com/office/drawing/2013/main/command" xmlns:pc="http://schemas.microsoft.com/office/powerpoint/2013/main/command">
+  <pc:docChgLst>
+    <pc:chgData name="ABHAI  A-[AM.EN.U4AIE22155]" userId="S::am.en.u4aie22155@am.students.amrita.edu::d7f687a4-410b-4110-be33-f2caf0567beb" providerId="AD" clId="Web-{06163BC6-8BAD-1E06-6D3A-40C1D37FB11B}"/>
+    <pc:docChg chg="modSld">
+      <pc:chgData name="ABHAI  A-[AM.EN.U4AIE22155]" userId="S::am.en.u4aie22155@am.students.amrita.edu::d7f687a4-410b-4110-be33-f2caf0567beb" providerId="AD" clId="Web-{06163BC6-8BAD-1E06-6D3A-40C1D37FB11B}" dt="2024-07-02T09:54:32.804" v="3" actId="1076"/>
+      <pc:docMkLst>
+        <pc:docMk/>
+      </pc:docMkLst>
+      <pc:sldChg chg="modSp">
+        <pc:chgData name="ABHAI  A-[AM.EN.U4AIE22155]" userId="S::am.en.u4aie22155@am.students.amrita.edu::d7f687a4-410b-4110-be33-f2caf0567beb" providerId="AD" clId="Web-{06163BC6-8BAD-1E06-6D3A-40C1D37FB11B}" dt="2024-07-02T09:54:32.804" v="3" actId="1076"/>
+        <pc:sldMkLst>
+          <pc:docMk/>
+          <pc:sldMk cId="2224872415" sldId="918"/>
+        </pc:sldMkLst>
+        <pc:picChg chg="mod">
+          <ac:chgData name="ABHAI  A-[AM.EN.U4AIE22155]" userId="S::am.en.u4aie22155@am.students.amrita.edu::d7f687a4-410b-4110-be33-f2caf0567beb" providerId="AD" clId="Web-{06163BC6-8BAD-1E06-6D3A-40C1D37FB11B}" dt="2024-07-02T09:54:32.804" v="3" actId="1076"/>
+          <ac:picMkLst>
+            <pc:docMk/>
+            <pc:sldMk cId="2224872415" sldId="918"/>
+            <ac:picMk id="4" creationId="{00000000-0000-0000-0000-000000000000}"/>
+          </ac:picMkLst>
+        </pc:picChg>
+      </pc:sldChg>
+    </pc:docChg>
+  </pc:docChgLst>
+  <pc:docChgLst>
+    <pc:chgData name="Damma Umesh - AM.EN.U4AIE22501" userId="S::am.en.u4aie22501@am.students.amrita.edu::3ac43fa0-febc-41e8-a764-5fdb77a445f9" providerId="AD" clId="Web-{EBE8EE81-8137-200A-1DDD-66528468E2EF}"/>
+    <pc:docChg chg="modSld">
+      <pc:chgData name="Damma Umesh - AM.EN.U4AIE22501" userId="S::am.en.u4aie22501@am.students.amrita.edu::3ac43fa0-febc-41e8-a764-5fdb77a445f9" providerId="AD" clId="Web-{EBE8EE81-8137-200A-1DDD-66528468E2EF}" dt="2024-07-02T08:44:58.574" v="1" actId="1076"/>
+      <pc:docMkLst>
+        <pc:docMk/>
+      </pc:docMkLst>
+      <pc:sldChg chg="modSp">
+        <pc:chgData name="Damma Umesh - AM.EN.U4AIE22501" userId="S::am.en.u4aie22501@am.students.amrita.edu::3ac43fa0-febc-41e8-a764-5fdb77a445f9" providerId="AD" clId="Web-{EBE8EE81-8137-200A-1DDD-66528468E2EF}" dt="2024-07-02T08:44:58.574" v="1" actId="1076"/>
+        <pc:sldMkLst>
+          <pc:docMk/>
+          <pc:sldMk cId="958898117" sldId="919"/>
+        </pc:sldMkLst>
+        <pc:picChg chg="mod">
+          <ac:chgData name="Damma Umesh - AM.EN.U4AIE22501" userId="S::am.en.u4aie22501@am.students.amrita.edu::3ac43fa0-febc-41e8-a764-5fdb77a445f9" providerId="AD" clId="Web-{EBE8EE81-8137-200A-1DDD-66528468E2EF}" dt="2024-07-02T08:44:58.574" v="1" actId="1076"/>
+          <ac:picMkLst>
+            <pc:docMk/>
+            <pc:sldMk cId="958898117" sldId="919"/>
+            <ac:picMk id="6" creationId="{00000000-0000-0000-0000-000000000000}"/>
+          </ac:picMkLst>
+        </pc:picChg>
+      </pc:sldChg>
+    </pc:docChg>
+  </pc:docChgLst>
+  <pc:docChgLst>
+    <pc:chgData name="Devabhaskaran.P-[AM.EN.U4AIE22019]" userId="S::am.en.u4aie22019@am.students.amrita.edu::ac334a59-3246-459b-9c83-3fc01a2cd487" providerId="AD" clId="Web-{18D8799E-AA4E-EF8E-6A1D-420AB2C865EE}"/>
+    <pc:docChg chg="modSld">
+      <pc:chgData name="Devabhaskaran.P-[AM.EN.U4AIE22019]" userId="S::am.en.u4aie22019@am.students.amrita.edu::ac334a59-3246-459b-9c83-3fc01a2cd487" providerId="AD" clId="Web-{18D8799E-AA4E-EF8E-6A1D-420AB2C865EE}" dt="2024-07-02T04:03:14.051" v="1" actId="1076"/>
+      <pc:docMkLst>
+        <pc:docMk/>
+      </pc:docMkLst>
+      <pc:sldChg chg="modSp">
+        <pc:chgData name="Devabhaskaran.P-[AM.EN.U4AIE22019]" userId="S::am.en.u4aie22019@am.students.amrita.edu::ac334a59-3246-459b-9c83-3fc01a2cd487" providerId="AD" clId="Web-{18D8799E-AA4E-EF8E-6A1D-420AB2C865EE}" dt="2024-07-02T04:03:14.051" v="1" actId="1076"/>
+        <pc:sldMkLst>
+          <pc:docMk/>
+          <pc:sldMk cId="2224872415" sldId="918"/>
+        </pc:sldMkLst>
+        <pc:picChg chg="mod">
+          <ac:chgData name="Devabhaskaran.P-[AM.EN.U4AIE22019]" userId="S::am.en.u4aie22019@am.students.amrita.edu::ac334a59-3246-459b-9c83-3fc01a2cd487" providerId="AD" clId="Web-{18D8799E-AA4E-EF8E-6A1D-420AB2C865EE}" dt="2024-07-02T04:03:14.051" v="1" actId="1076"/>
+          <ac:picMkLst>
+            <pc:docMk/>
+            <pc:sldMk cId="2224872415" sldId="918"/>
+            <ac:picMk id="4" creationId="{00000000-0000-0000-0000-000000000000}"/>
+          </ac:picMkLst>
+        </pc:picChg>
+      </pc:sldChg>
+    </pc:docChg>
+  </pc:docChgLst>
+  <pc:docChgLst>
+    <pc:chgData name="Shaik Rashmi-[AM.EN.U4AIE22149]" userId="S::am.en.u4aie22149@am.students.amrita.edu::183f3806-f77b-4c67-abda-6cc085506f43" providerId="AD" clId="Web-{E4562221-950F-08F7-2F61-9220EA531751}"/>
+    <pc:docChg chg="delSld">
+      <pc:chgData name="Shaik Rashmi-[AM.EN.U4AIE22149]" userId="S::am.en.u4aie22149@am.students.amrita.edu::183f3806-f77b-4c67-abda-6cc085506f43" providerId="AD" clId="Web-{E4562221-950F-08F7-2F61-9220EA531751}" dt="2024-07-02T08:23:17.276" v="0"/>
+      <pc:docMkLst>
+        <pc:docMk/>
+      </pc:docMkLst>
+      <pc:sldChg chg="del">
+        <pc:chgData name="Shaik Rashmi-[AM.EN.U4AIE22149]" userId="S::am.en.u4aie22149@am.students.amrita.edu::183f3806-f77b-4c67-abda-6cc085506f43" providerId="AD" clId="Web-{E4562221-950F-08F7-2F61-9220EA531751}" dt="2024-07-02T08:23:17.276" v="0"/>
+        <pc:sldMkLst>
+          <pc:docMk/>
+          <pc:sldMk cId="523864412" sldId="911"/>
+        </pc:sldMkLst>
+      </pc:sldChg>
+    </pc:docChg>
+  </pc:docChgLst>
+  <pc:docChgLst>
+    <pc:chgData name="Yadhukrishnan N P-[AM.EN.U4AIE22153]" userId="S::am.en.u4aie22153@am.students.amrita.edu::165d10f6-f004-424c-ac0e-36d591639115" providerId="AD" clId="Web-{8E34C29E-BB98-E382-DC05-B00A1607EC86}"/>
+    <pc:docChg chg="modSld">
+      <pc:chgData name="Yadhukrishnan N P-[AM.EN.U4AIE22153]" userId="S::am.en.u4aie22153@am.students.amrita.edu::165d10f6-f004-424c-ac0e-36d591639115" providerId="AD" clId="Web-{8E34C29E-BB98-E382-DC05-B00A1607EC86}" dt="2024-07-02T09:56:08.554" v="2" actId="20577"/>
+      <pc:docMkLst>
+        <pc:docMk/>
+      </pc:docMkLst>
+      <pc:sldChg chg="modSp">
+        <pc:chgData name="Yadhukrishnan N P-[AM.EN.U4AIE22153]" userId="S::am.en.u4aie22153@am.students.amrita.edu::165d10f6-f004-424c-ac0e-36d591639115" providerId="AD" clId="Web-{8E34C29E-BB98-E382-DC05-B00A1607EC86}" dt="2024-07-02T09:56:08.554" v="2" actId="20577"/>
+        <pc:sldMkLst>
+          <pc:docMk/>
+          <pc:sldMk cId="697112874" sldId="917"/>
+        </pc:sldMkLst>
+        <pc:spChg chg="mod">
+          <ac:chgData name="Yadhukrishnan N P-[AM.EN.U4AIE22153]" userId="S::am.en.u4aie22153@am.students.amrita.edu::165d10f6-f004-424c-ac0e-36d591639115" providerId="AD" clId="Web-{8E34C29E-BB98-E382-DC05-B00A1607EC86}" dt="2024-07-02T09:56:08.554" v="2" actId="20577"/>
+          <ac:spMkLst>
+            <pc:docMk/>
+            <pc:sldMk cId="697112874" sldId="917"/>
+            <ac:spMk id="2" creationId="{00000000-0000-0000-0000-000000000000}"/>
+          </ac:spMkLst>
+        </pc:spChg>
+      </pc:sldChg>
+    </pc:docChg>
+  </pc:docChgLst>
+  <pc:docChgLst>
+    <pc:chgData name="KRISHNA PRABHA S-[AM.EN.U4AIE22129]" userId="S::am.en.u4aie22129@am.students.amrita.edu::6aa19f28-84ec-4ca2-8fdf-f42c0af0ba31" providerId="AD" clId="Web-{87260E9B-114F-4BD2-C41F-B0D4D763A620}"/>
+    <pc:docChg chg="modSld">
+      <pc:chgData name="KRISHNA PRABHA S-[AM.EN.U4AIE22129]" userId="S::am.en.u4aie22129@am.students.amrita.edu::6aa19f28-84ec-4ca2-8fdf-f42c0af0ba31" providerId="AD" clId="Web-{87260E9B-114F-4BD2-C41F-B0D4D763A620}" dt="2024-07-01T16:15:46.647" v="1" actId="1076"/>
+      <pc:docMkLst>
+        <pc:docMk/>
+      </pc:docMkLst>
+      <pc:sldChg chg="modSp">
+        <pc:chgData name="KRISHNA PRABHA S-[AM.EN.U4AIE22129]" userId="S::am.en.u4aie22129@am.students.amrita.edu::6aa19f28-84ec-4ca2-8fdf-f42c0af0ba31" providerId="AD" clId="Web-{87260E9B-114F-4BD2-C41F-B0D4D763A620}" dt="2024-07-01T16:15:46.647" v="1" actId="1076"/>
+        <pc:sldMkLst>
+          <pc:docMk/>
+          <pc:sldMk cId="523864412" sldId="911"/>
+        </pc:sldMkLst>
+        <pc:graphicFrameChg chg="mod">
+          <ac:chgData name="KRISHNA PRABHA S-[AM.EN.U4AIE22129]" userId="S::am.en.u4aie22129@am.students.amrita.edu::6aa19f28-84ec-4ca2-8fdf-f42c0af0ba31" providerId="AD" clId="Web-{87260E9B-114F-4BD2-C41F-B0D4D763A620}" dt="2024-07-01T15:42:43.622" v="0" actId="1076"/>
+          <ac:graphicFrameMkLst>
+            <pc:docMk/>
+            <pc:sldMk cId="523864412" sldId="911"/>
+            <ac:graphicFrameMk id="5" creationId="{00000000-0000-0000-0000-000000000000}"/>
+          </ac:graphicFrameMkLst>
+        </pc:graphicFrameChg>
+        <pc:picChg chg="mod">
+          <ac:chgData name="KRISHNA PRABHA S-[AM.EN.U4AIE22129]" userId="S::am.en.u4aie22129@am.students.amrita.edu::6aa19f28-84ec-4ca2-8fdf-f42c0af0ba31" providerId="AD" clId="Web-{87260E9B-114F-4BD2-C41F-B0D4D763A620}" dt="2024-07-01T16:15:46.647" v="1" actId="1076"/>
+          <ac:picMkLst>
+            <pc:docMk/>
+            <pc:sldMk cId="523864412" sldId="911"/>
+            <ac:picMk id="1026" creationId="{00000000-0000-0000-0000-000000000000}"/>
+          </ac:picMkLst>
+        </pc:picChg>
+      </pc:sldChg>
+    </pc:docChg>
+  </pc:docChgLst>
+  <pc:docChgLst>
+    <pc:chgData name="Matcha Mukhesh Balaji-[AM.EN.U4AIE22031]" userId="S::am.en.u4aie22031@am.students.amrita.edu::bd1ff42f-431c-4eec-b42e-306f5c16c0b6" providerId="AD" clId="Web-{DDDA3265-4526-2F93-B2B4-9D247EAB4C95}"/>
+    <pc:docChg chg="modSld">
+      <pc:chgData name="Matcha Mukhesh Balaji-[AM.EN.U4AIE22031]" userId="S::am.en.u4aie22031@am.students.amrita.edu::bd1ff42f-431c-4eec-b42e-306f5c16c0b6" providerId="AD" clId="Web-{DDDA3265-4526-2F93-B2B4-9D247EAB4C95}" dt="2024-07-01T16:24:36.810" v="1" actId="1076"/>
+      <pc:docMkLst>
+        <pc:docMk/>
+      </pc:docMkLst>
+      <pc:sldChg chg="modSp">
+        <pc:chgData name="Matcha Mukhesh Balaji-[AM.EN.U4AIE22031]" userId="S::am.en.u4aie22031@am.students.amrita.edu::bd1ff42f-431c-4eec-b42e-306f5c16c0b6" providerId="AD" clId="Web-{DDDA3265-4526-2F93-B2B4-9D247EAB4C95}" dt="2024-07-01T16:24:36.810" v="1" actId="1076"/>
+        <pc:sldMkLst>
+          <pc:docMk/>
+          <pc:sldMk cId="2224872415" sldId="918"/>
+        </pc:sldMkLst>
+        <pc:picChg chg="mod">
+          <ac:chgData name="Matcha Mukhesh Balaji-[AM.EN.U4AIE22031]" userId="S::am.en.u4aie22031@am.students.amrita.edu::bd1ff42f-431c-4eec-b42e-306f5c16c0b6" providerId="AD" clId="Web-{DDDA3265-4526-2F93-B2B4-9D247EAB4C95}" dt="2024-07-01T16:24:36.810" v="1" actId="1076"/>
+          <ac:picMkLst>
+            <pc:docMk/>
+            <pc:sldMk cId="2224872415" sldId="918"/>
+            <ac:picMk id="4" creationId="{00000000-0000-0000-0000-000000000000}"/>
+          </ac:picMkLst>
+        </pc:picChg>
+      </pc:sldChg>
+    </pc:docChg>
+  </pc:docChgLst>
+</pc:chgInfo>
 </file>
 
 <file path=ppt/diagrams/colors1.xml><?xml version="1.0" encoding="utf-8"?>
@@ -926,13 +1099,6 @@
         </dgm:presLayoutVars>
       </dgm:prSet>
       <dgm:spPr/>
-      <dgm:t>
-        <a:bodyPr/>
-        <a:lstStyle/>
-        <a:p>
-          <a:endParaRPr lang="en-US"/>
-        </a:p>
-      </dgm:t>
     </dgm:pt>
   </dgm:ptLst>
   <dgm:cxnLst>
@@ -2235,7 +2401,7 @@
           <a:p>
             <a:fld id="{C12A8863-DC05-4404-B675-D72481211B2B}" type="datetimeFigureOut">
               <a:rPr lang="en-IN" smtClean="0"/>
-              <a:t>19-06-2024</a:t>
+              <a:t>02-07-2024</a:t>
             </a:fld>
             <a:endParaRPr lang="en-IN"/>
           </a:p>
@@ -2412,7 +2578,7 @@
           <a:p>
             <a:fld id="{7776C710-9289-0047-825B-8D8A7CA55EFA}" type="datetimeFigureOut">
               <a:rPr lang="en-US" smtClean="0"/>
-              <a:t>6/19/2024</a:t>
+              <a:t>7/2/2024</a:t>
             </a:fld>
             <a:endParaRPr lang="en-US"/>
           </a:p>
@@ -3096,7 +3262,7 @@
           <a:p>
             <a:fld id="{1FF68D9A-60AF-D041-8208-94719D7FA881}" type="datetimeFigureOut">
               <a:rPr lang="en-US" smtClean="0"/>
-              <a:t>6/19/2024</a:t>
+              <a:t>7/2/2024</a:t>
             </a:fld>
             <a:endParaRPr lang="en-US"/>
           </a:p>
@@ -3616,7 +3782,7 @@
               <a:buFont typeface="Arial" charset="0"/>
             </a:pPr>
             <a:r>
-              <a:rPr lang="en-US" sz="3200" b="1" dirty="0" smtClean="0">
+              <a:rPr lang="en-US" sz="3200" b="1">
                 <a:solidFill>
                   <a:schemeClr val="bg1"/>
                 </a:solidFill>
@@ -3626,7 +3792,7 @@
               </a:rPr>
               <a:t>Raspberry Pi</a:t>
             </a:r>
-            <a:endParaRPr lang="en-US" sz="3200" b="1" dirty="0">
+            <a:endParaRPr lang="en-US" sz="3200" b="1">
               <a:solidFill>
                 <a:schemeClr val="bg1"/>
               </a:solidFill>
@@ -3710,7 +3876,7 @@
           <a:p>
             <a:pPr algn="ctr"/>
             <a:r>
-              <a:rPr lang="en-US" sz="2000" b="1" dirty="0">
+              <a:rPr lang="en-US" sz="2000" b="1">
                 <a:solidFill>
                   <a:schemeClr val="bg1"/>
                 </a:solidFill>
@@ -3720,25 +3886,16 @@
               <a:t>22AIE211</a:t>
             </a:r>
             <a:r>
-              <a:rPr lang="en-US" sz="2000" b="1" dirty="0">
+              <a:rPr lang="en-US" sz="2000" b="1">
                 <a:solidFill>
                   <a:schemeClr val="bg1"/>
                 </a:solidFill>
                 <a:latin typeface="Georgia"/>
               </a:rPr>
-              <a:t> </a:t>
-            </a:r>
-            <a:r>
-              <a:rPr lang="en-US" sz="2000" b="1" dirty="0" smtClean="0">
-                <a:solidFill>
-                  <a:schemeClr val="bg1"/>
-                </a:solidFill>
-                <a:latin typeface="Georgia"/>
-              </a:rPr>
-              <a:t>Introduction To Communication &amp; </a:t>
-            </a:r>
-            <a:r>
-              <a:rPr lang="en-US" sz="2000" b="1" dirty="0" err="1">
+              <a:t> Introduction To Communication &amp; </a:t>
+            </a:r>
+            <a:r>
+              <a:rPr lang="en-US" sz="2000" b="1" err="1">
                 <a:solidFill>
                   <a:schemeClr val="bg1"/>
                 </a:solidFill>
@@ -3746,7 +3903,7 @@
               </a:rPr>
               <a:t>IoT</a:t>
             </a:r>
-            <a:endParaRPr lang="en-US" dirty="0">
+            <a:endParaRPr lang="en-US">
               <a:solidFill>
                 <a:schemeClr val="bg1"/>
               </a:solidFill>
@@ -3896,53 +4053,49 @@
               <a:buNone/>
             </a:pPr>
             <a:r>
-              <a:rPr lang="en-GB" dirty="0"/>
+              <a:rPr lang="en-GB"/>
               <a:t>Download </a:t>
             </a:r>
             <a:r>
-              <a:rPr lang="en-GB" dirty="0" err="1"/>
+              <a:rPr lang="en-GB" err="1"/>
               <a:t>Raspbian</a:t>
             </a:r>
             <a:r>
-              <a:rPr lang="en-GB" dirty="0" smtClean="0"/>
+              <a:rPr lang="en-GB"/>
               <a:t>:</a:t>
             </a:r>
           </a:p>
           <a:p>
             <a:r>
-              <a:rPr lang="en-GB" dirty="0"/>
+              <a:rPr lang="en-GB"/>
               <a:t>Raspberry Pi Imager is the quick and easy way to install Raspberry Pi OS and other operating systems to a </a:t>
             </a:r>
             <a:r>
-              <a:rPr lang="en-GB" dirty="0" err="1"/>
+              <a:rPr lang="en-GB" err="1"/>
               <a:t>microSD</a:t>
             </a:r>
             <a:r>
-              <a:rPr lang="en-GB" dirty="0"/>
+              <a:rPr lang="en-GB"/>
               <a:t> card, ready to use with your Raspberry Pi.</a:t>
             </a:r>
           </a:p>
           <a:p>
             <a:r>
-              <a:rPr lang="en-GB" dirty="0" smtClean="0"/>
-              <a:t>Download </a:t>
-            </a:r>
-            <a:r>
-              <a:rPr lang="en-GB" dirty="0"/>
-              <a:t>latest </a:t>
-            </a:r>
-            <a:r>
-              <a:rPr lang="en-GB" dirty="0" err="1"/>
+              <a:rPr lang="en-GB"/>
+              <a:t>Download latest </a:t>
+            </a:r>
+            <a:r>
+              <a:rPr lang="en-GB" err="1"/>
               <a:t>Raspbian</a:t>
             </a:r>
             <a:r>
-              <a:rPr lang="en-GB" dirty="0"/>
+              <a:rPr lang="en-GB"/>
               <a:t> image from raspberry pi official site:</a:t>
             </a:r>
           </a:p>
           <a:p>
             <a:r>
-              <a:rPr lang="en-GB" dirty="0"/>
+              <a:rPr lang="en-GB"/>
               <a:t>https://www.raspberrypi.org/downloads/</a:t>
             </a:r>
           </a:p>
@@ -3951,47 +4104,31 @@
               <a:buNone/>
             </a:pPr>
             <a:r>
-              <a:rPr lang="en-GB" dirty="0" smtClean="0"/>
-              <a:t>•  Unzip </a:t>
-            </a:r>
-            <a:r>
-              <a:rPr lang="en-GB" dirty="0"/>
-              <a:t>the file and end up with an .</a:t>
-            </a:r>
-            <a:r>
-              <a:rPr lang="en-GB" dirty="0" err="1"/>
+              <a:rPr lang="en-GB"/>
+              <a:t>•  Unzip the file and end up with an .</a:t>
+            </a:r>
+            <a:r>
+              <a:rPr lang="en-GB" err="1"/>
               <a:t>img</a:t>
             </a:r>
             <a:r>
-              <a:rPr lang="en-GB" dirty="0"/>
-              <a:t> file</a:t>
-            </a:r>
-            <a:r>
-              <a:rPr lang="en-GB" dirty="0" smtClean="0"/>
-              <a:t>.</a:t>
+              <a:rPr lang="en-GB"/>
+              <a:t> file.</a:t>
             </a:r>
           </a:p>
           <a:p>
             <a:pPr marL="0" indent="0">
               <a:buNone/>
             </a:pPr>
-            <a:endParaRPr lang="en-IN" dirty="0" smtClean="0"/>
+            <a:endParaRPr lang="en-IN"/>
           </a:p>
           <a:p>
             <a:pPr marL="0" indent="0">
               <a:buNone/>
             </a:pPr>
             <a:r>
-              <a:rPr lang="en-IN" dirty="0" smtClean="0"/>
-              <a:t>Raspberry </a:t>
-            </a:r>
-            <a:r>
-              <a:rPr lang="en-IN" dirty="0"/>
-              <a:t>Pi OS </a:t>
-            </a:r>
-            <a:r>
-              <a:rPr lang="en-IN" dirty="0" smtClean="0"/>
-              <a:t>Setup</a:t>
+              <a:rPr lang="en-IN"/>
+              <a:t>Raspberry Pi OS Setup</a:t>
             </a:r>
           </a:p>
           <a:p>
@@ -3999,15 +4136,15 @@
               <a:buNone/>
             </a:pPr>
             <a:r>
-              <a:rPr lang="en-GB" dirty="0"/>
+              <a:rPr lang="en-GB"/>
               <a:t>Write </a:t>
             </a:r>
             <a:r>
-              <a:rPr lang="en-GB" dirty="0" err="1"/>
+              <a:rPr lang="en-GB" err="1"/>
               <a:t>Raspbian</a:t>
             </a:r>
             <a:r>
-              <a:rPr lang="en-GB" dirty="0"/>
+              <a:rPr lang="en-GB"/>
               <a:t> in SD card :</a:t>
             </a:r>
           </a:p>
@@ -4016,7 +4153,7 @@
               <a:buNone/>
             </a:pPr>
             <a:r>
-              <a:rPr lang="en-GB" dirty="0"/>
+              <a:rPr lang="en-GB"/>
               <a:t>• Install “Win32 Disk Imager” software in windows machine .</a:t>
             </a:r>
           </a:p>
@@ -4025,7 +4162,7 @@
               <a:buNone/>
             </a:pPr>
             <a:r>
-              <a:rPr lang="en-GB" dirty="0"/>
+              <a:rPr lang="en-GB"/>
               <a:t>• Run Win32 Disk Imager</a:t>
             </a:r>
           </a:p>
@@ -4034,7 +4171,7 @@
               <a:buNone/>
             </a:pPr>
             <a:r>
-              <a:rPr lang="en-GB" dirty="0"/>
+              <a:rPr lang="en-GB"/>
               <a:t>• Plug SD card into your PC</a:t>
             </a:r>
           </a:p>
@@ -4043,7 +4180,7 @@
               <a:buNone/>
             </a:pPr>
             <a:r>
-              <a:rPr lang="en-GB" dirty="0"/>
+              <a:rPr lang="en-GB"/>
               <a:t>• Select the “Device”</a:t>
             </a:r>
           </a:p>
@@ -4052,15 +4189,15 @@
               <a:buNone/>
             </a:pPr>
             <a:r>
-              <a:rPr lang="en-GB" dirty="0"/>
+              <a:rPr lang="en-GB"/>
               <a:t>• Browse the “Image File”(</a:t>
             </a:r>
             <a:r>
-              <a:rPr lang="en-GB" dirty="0" err="1"/>
+              <a:rPr lang="en-GB" err="1"/>
               <a:t>Raspbian</a:t>
             </a:r>
             <a:r>
-              <a:rPr lang="en-GB" dirty="0"/>
+              <a:rPr lang="en-GB"/>
               <a:t> image)</a:t>
             </a:r>
           </a:p>
@@ -4069,10 +4206,10 @@
               <a:buNone/>
             </a:pPr>
             <a:r>
-              <a:rPr lang="en-GB" dirty="0"/>
+              <a:rPr lang="en-GB"/>
               <a:t>• Write</a:t>
             </a:r>
-            <a:endParaRPr lang="en-IN" dirty="0"/>
+            <a:endParaRPr lang="en-IN"/>
           </a:p>
         </p:txBody>
       </p:sp>
@@ -4097,12 +4234,8 @@
           <a:lstStyle/>
           <a:p>
             <a:r>
-              <a:rPr lang="en-IN" dirty="0" smtClean="0"/>
-              <a:t>Raspberry </a:t>
-            </a:r>
-            <a:r>
-              <a:rPr lang="en-IN" dirty="0"/>
-              <a:t>Pi Setup</a:t>
+              <a:rPr lang="en-IN"/>
+              <a:t>Raspberry Pi Setup</a:t>
             </a:r>
           </a:p>
         </p:txBody>
@@ -4163,63 +4296,51 @@
               <a:buNone/>
             </a:pPr>
             <a:r>
-              <a:rPr lang="en-GB" dirty="0"/>
-              <a:t>Default installed </a:t>
-            </a:r>
-            <a:r>
-              <a:rPr lang="en-GB" dirty="0" smtClean="0"/>
-              <a:t>:</a:t>
-            </a:r>
-          </a:p>
-          <a:p>
-            <a:r>
-              <a:rPr lang="en-GB" dirty="0" smtClean="0"/>
+              <a:rPr lang="en-GB"/>
+              <a:t>Default installed :</a:t>
+            </a:r>
+          </a:p>
+          <a:p>
+            <a:r>
+              <a:rPr lang="en-GB"/>
               <a:t>Python </a:t>
             </a:r>
-            <a:endParaRPr lang="en-GB" sz="1800" dirty="0"/>
+            <a:endParaRPr lang="en-GB" sz="1800"/>
           </a:p>
           <a:p>
             <a:pPr lvl="1"/>
             <a:r>
-              <a:rPr lang="en-GB" sz="1800" dirty="0" smtClean="0"/>
-              <a:t>On </a:t>
-            </a:r>
-            <a:r>
-              <a:rPr lang="en-GB" sz="1800" dirty="0"/>
-              <a:t>Raspberry Pi OS Desktop, the </a:t>
-            </a:r>
-            <a:r>
-              <a:rPr lang="en-GB" sz="1800" dirty="0" err="1"/>
+              <a:rPr lang="en-GB" sz="1800"/>
+              <a:t>On Raspberry Pi OS Desktop, the </a:t>
+            </a:r>
+            <a:r>
+              <a:rPr lang="en-GB" sz="1800" err="1"/>
               <a:t>Thonny</a:t>
             </a:r>
             <a:r>
-              <a:rPr lang="en-GB" sz="1800" dirty="0"/>
-              <a:t> Python IDE is installed by </a:t>
-            </a:r>
-            <a:r>
-              <a:rPr lang="en-GB" sz="1800" dirty="0" smtClean="0"/>
-              <a:t>default. </a:t>
-            </a:r>
-            <a:r>
-              <a:rPr lang="en-GB" sz="1400" dirty="0">
+              <a:rPr lang="en-GB" sz="1800"/>
+              <a:t> Python IDE is installed by default. </a:t>
+            </a:r>
+            <a:r>
+              <a:rPr lang="en-GB" sz="1400">
                 <a:hlinkClick r:id="rId2"/>
               </a:rPr>
               <a:t>How to Learn to Program in Python with a Raspberry Pi? – </a:t>
             </a:r>
             <a:r>
-              <a:rPr lang="en-GB" sz="1400" dirty="0" err="1">
+              <a:rPr lang="en-GB" sz="1400" err="1">
                 <a:hlinkClick r:id="rId2"/>
               </a:rPr>
               <a:t>RaspberryTips</a:t>
             </a:r>
-            <a:endParaRPr lang="en-GB" sz="1400" dirty="0" smtClean="0"/>
+            <a:endParaRPr lang="en-GB" sz="1400"/>
           </a:p>
           <a:p>
             <a:pPr marL="0" indent="0">
               <a:buNone/>
             </a:pPr>
             <a:r>
-              <a:rPr lang="en-GB" dirty="0" smtClean="0"/>
+              <a:rPr lang="en-GB"/>
               <a:t>• C</a:t>
             </a:r>
           </a:p>
@@ -4228,12 +4349,8 @@
               <a:buNone/>
             </a:pPr>
             <a:r>
-              <a:rPr lang="en-GB" dirty="0" smtClean="0"/>
-              <a:t>• </a:t>
-            </a:r>
-            <a:r>
-              <a:rPr lang="en-GB" dirty="0"/>
-              <a:t>C++</a:t>
+              <a:rPr lang="en-GB"/>
+              <a:t>• C++</a:t>
             </a:r>
           </a:p>
           <a:p>
@@ -4241,7 +4358,7 @@
               <a:buNone/>
             </a:pPr>
             <a:r>
-              <a:rPr lang="en-GB" dirty="0"/>
+              <a:rPr lang="en-GB"/>
               <a:t>• Java</a:t>
             </a:r>
           </a:p>
@@ -4250,7 +4367,7 @@
               <a:buNone/>
             </a:pPr>
             <a:r>
-              <a:rPr lang="en-GB" dirty="0"/>
+              <a:rPr lang="en-GB"/>
               <a:t>• Scratch</a:t>
             </a:r>
           </a:p>
@@ -4259,10 +4376,10 @@
               <a:buNone/>
             </a:pPr>
             <a:r>
-              <a:rPr lang="en-GB" dirty="0"/>
+              <a:rPr lang="en-GB"/>
               <a:t>• Ruby</a:t>
             </a:r>
-            <a:endParaRPr lang="en-IN" dirty="0"/>
+            <a:endParaRPr lang="en-IN"/>
           </a:p>
         </p:txBody>
       </p:sp>
@@ -4287,7 +4404,7 @@
           <a:lstStyle/>
           <a:p>
             <a:r>
-              <a:rPr lang="en-IN" dirty="0"/>
+              <a:rPr lang="en-IN"/>
               <a:t>Programming</a:t>
             </a:r>
           </a:p>
@@ -4345,10 +4462,10 @@
           <a:lstStyle/>
           <a:p>
             <a:r>
-              <a:rPr lang="en-US" dirty="0"/>
+              <a:rPr lang="en-US"/>
               <a:t>			Summary</a:t>
             </a:r>
-            <a:endParaRPr lang="en-IN" dirty="0"/>
+            <a:endParaRPr lang="en-IN"/>
           </a:p>
         </p:txBody>
       </p:sp>
@@ -4373,10 +4490,10 @@
           <a:lstStyle/>
           <a:p>
             <a:r>
-              <a:rPr lang="en-US" dirty="0" smtClean="0"/>
+              <a:rPr lang="en-US"/>
               <a:t>Raspberry pi overview</a:t>
             </a:r>
-            <a:endParaRPr lang="en-IN" dirty="0"/>
+            <a:endParaRPr lang="en-IN"/>
           </a:p>
         </p:txBody>
       </p:sp>
@@ -4433,61 +4550,36 @@
           <a:lstStyle/>
           <a:p>
             <a:r>
-              <a:rPr lang="en-GB" sz="2400" dirty="0" smtClean="0"/>
-              <a:t>Computer </a:t>
-            </a:r>
-            <a:r>
-              <a:rPr lang="en-GB" sz="2400" dirty="0"/>
-              <a:t>in your palm.</a:t>
-            </a:r>
-          </a:p>
-          <a:p>
-            <a:r>
-              <a:rPr lang="en-GB" sz="2400" dirty="0" smtClean="0"/>
-              <a:t>Single-board </a:t>
-            </a:r>
-            <a:r>
-              <a:rPr lang="en-GB" sz="2400" dirty="0"/>
-              <a:t>computer</a:t>
-            </a:r>
-            <a:r>
-              <a:rPr lang="en-GB" sz="2400" dirty="0" smtClean="0"/>
-              <a:t>.</a:t>
-            </a:r>
-          </a:p>
-          <a:p>
-            <a:r>
-              <a:rPr lang="en-GB" sz="2400" dirty="0" smtClean="0"/>
+              <a:rPr lang="en-GB" sz="2400"/>
+              <a:t>Computer in your palm.</a:t>
+            </a:r>
+          </a:p>
+          <a:p>
+            <a:r>
+              <a:rPr lang="en-GB" sz="2400"/>
+              <a:t>Single-board computer.</a:t>
+            </a:r>
+          </a:p>
+          <a:p>
+            <a:r>
+              <a:rPr lang="en-GB" sz="2400"/>
               <a:t>Microprocessor.</a:t>
             </a:r>
-            <a:endParaRPr lang="en-GB" sz="2400" dirty="0"/>
-          </a:p>
-          <a:p>
-            <a:r>
-              <a:rPr lang="en-GB" sz="2400" dirty="0" smtClean="0"/>
-              <a:t>Low </a:t>
-            </a:r>
-            <a:r>
-              <a:rPr lang="en-GB" sz="2400" dirty="0"/>
-              <a:t>cost.</a:t>
-            </a:r>
-          </a:p>
-          <a:p>
-            <a:r>
-              <a:rPr lang="en-GB" sz="2400" dirty="0" smtClean="0"/>
-              <a:t>Easy </a:t>
-            </a:r>
-            <a:r>
-              <a:rPr lang="en-GB" sz="2400" dirty="0"/>
-              <a:t>to access</a:t>
-            </a:r>
-            <a:r>
-              <a:rPr lang="en-GB" sz="2400" dirty="0" smtClean="0"/>
-              <a:t>.</a:t>
-            </a:r>
-          </a:p>
-          <a:p>
-            <a:endParaRPr lang="en-IN" sz="2400" dirty="0"/>
+          </a:p>
+          <a:p>
+            <a:r>
+              <a:rPr lang="en-GB" sz="2400"/>
+              <a:t>Low cost.</a:t>
+            </a:r>
+          </a:p>
+          <a:p>
+            <a:r>
+              <a:rPr lang="en-GB" sz="2400"/>
+              <a:t>Easy to access.</a:t>
+            </a:r>
+          </a:p>
+          <a:p>
+            <a:endParaRPr lang="en-IN" sz="2400"/>
           </a:p>
         </p:txBody>
       </p:sp>
@@ -4512,14 +4604,10 @@
           <a:lstStyle/>
           <a:p>
             <a:r>
-              <a:rPr lang="en-US" dirty="0"/>
-              <a:t>What is Raspberry </a:t>
-            </a:r>
-            <a:r>
-              <a:rPr lang="en-US" dirty="0" smtClean="0"/>
-              <a:t>Pi?</a:t>
-            </a:r>
-            <a:endParaRPr lang="en-IN" dirty="0"/>
+              <a:rPr lang="en-US"/>
+              <a:t>What is Raspberry Pi?</a:t>
+            </a:r>
+            <a:endParaRPr lang="en-IN"/>
           </a:p>
         </p:txBody>
       </p:sp>
@@ -4563,13 +4651,13 @@
             <p:ph idx="1"/>
             <p:extLst>
               <p:ext uri="{D42A27DB-BD31-4B8C-83A1-F6EECF244321}">
-                <p14:modId xmlns:p14="http://schemas.microsoft.com/office/powerpoint/2010/main" val="2734056710"/>
+                <p14:modId xmlns:p14="http://schemas.microsoft.com/office/powerpoint/2010/main" val="2614009570"/>
               </p:ext>
             </p:extLst>
           </p:nvPr>
         </p:nvGraphicFramePr>
         <p:xfrm>
-          <a:off x="428625" y="1136650"/>
+          <a:off x="732544" y="1955910"/>
           <a:ext cx="8407400" cy="4908550"/>
         </p:xfrm>
         <a:graphic>
@@ -4599,10 +4687,10 @@
           <a:lstStyle/>
           <a:p>
             <a:r>
-              <a:rPr lang="en-US" dirty="0" smtClean="0"/>
+              <a:rPr lang="en-US"/>
               <a:t>Basic Architecture</a:t>
             </a:r>
-            <a:endParaRPr lang="en-IN" dirty="0"/>
+            <a:endParaRPr lang="en-IN"/>
           </a:p>
         </p:txBody>
       </p:sp>
@@ -4629,7 +4717,7 @@
         </p:blipFill>
         <p:spPr bwMode="auto">
           <a:xfrm>
-            <a:off x="1346132" y="1930521"/>
+            <a:off x="1174352" y="1943735"/>
             <a:ext cx="7188268" cy="2977541"/>
           </a:xfrm>
           <a:prstGeom prst="rect">
@@ -4693,7 +4781,7 @@
           <a:lstStyle/>
           <a:p>
             <a:r>
-              <a:rPr lang="en-IN" dirty="0"/>
+              <a:rPr lang="en-IN"/>
               <a:t>Raspberry Pi</a:t>
             </a:r>
           </a:p>
@@ -4745,12 +4833,12 @@
           <a:lstStyle/>
           <a:p>
             <a:r>
-              <a:rPr lang="en-GB" dirty="0" smtClean="0">
+              <a:rPr lang="en-GB">
                 <a:hlinkClick r:id="rId3"/>
               </a:rPr>
               <a:t>Raspberry Pi 5 vs Pi 4: The Definitive Comparison &amp; Review</a:t>
             </a:r>
-            <a:endParaRPr lang="en-IN" dirty="0"/>
+            <a:endParaRPr lang="en-IN"/>
           </a:p>
         </p:txBody>
       </p:sp>
@@ -4806,7 +4894,7 @@
           </a:bodyPr>
           <a:lstStyle/>
           <a:p>
-            <a:endParaRPr lang="en-IN" sz="2000" dirty="0"/>
+            <a:endParaRPr lang="en-IN" sz="2000"/>
           </a:p>
         </p:txBody>
       </p:sp>
@@ -4831,14 +4919,9 @@
           <a:lstStyle/>
           <a:p>
             <a:r>
-              <a:rPr lang="en-IN" dirty="0"/>
-              <a:t>Raspberry Pi </a:t>
-            </a:r>
-            <a:r>
-              <a:rPr lang="en-IN" dirty="0" smtClean="0"/>
-              <a:t>Pin Configuration</a:t>
-            </a:r>
-            <a:endParaRPr lang="en-IN" dirty="0"/>
+              <a:rPr lang="en-IN"/>
+              <a:t>Raspberry Pi Pin Configuration</a:t>
+            </a:r>
           </a:p>
         </p:txBody>
       </p:sp>
@@ -4858,7 +4941,7 @@
         </p:blipFill>
         <p:spPr>
           <a:xfrm>
-            <a:off x="1250494" y="1271894"/>
+            <a:off x="1250494" y="1291601"/>
             <a:ext cx="6374710" cy="4341564"/>
           </a:xfrm>
           <a:prstGeom prst="rect">
@@ -4888,12 +4971,12 @@
           <a:lstStyle/>
           <a:p>
             <a:r>
-              <a:rPr lang="en-IN" sz="1100" dirty="0">
+              <a:rPr lang="en-IN" sz="1100">
                 <a:hlinkClick r:id="rId3"/>
               </a:rPr>
               <a:t>Source: Raspberry Pi PCB Pin Overview, Wikimedia Commons (Online)</a:t>
             </a:r>
-            <a:endParaRPr lang="en-IN" sz="1100" dirty="0"/>
+            <a:endParaRPr lang="en-IN" sz="1100"/>
           </a:p>
         </p:txBody>
       </p:sp>
@@ -4948,79 +5031,51 @@
           <a:lstStyle/>
           <a:p>
             <a:r>
-              <a:rPr lang="en-IN" dirty="0" smtClean="0"/>
-              <a:t>HDMI </a:t>
-            </a:r>
-            <a:r>
-              <a:rPr lang="en-IN" dirty="0"/>
-              <a:t>cable.</a:t>
-            </a:r>
-          </a:p>
-          <a:p>
-            <a:r>
-              <a:rPr lang="en-IN" dirty="0" smtClean="0"/>
-              <a:t>Monitor</a:t>
-            </a:r>
-            <a:r>
-              <a:rPr lang="en-IN" dirty="0"/>
-              <a:t>.</a:t>
-            </a:r>
-          </a:p>
-          <a:p>
-            <a:r>
-              <a:rPr lang="en-IN" dirty="0" smtClean="0"/>
-              <a:t>Key </a:t>
-            </a:r>
-            <a:r>
-              <a:rPr lang="en-IN" dirty="0"/>
-              <a:t>board.</a:t>
-            </a:r>
-          </a:p>
-          <a:p>
-            <a:r>
-              <a:rPr lang="en-IN" dirty="0" smtClean="0"/>
-              <a:t>Mouse</a:t>
-            </a:r>
-            <a:r>
-              <a:rPr lang="en-IN" dirty="0"/>
-              <a:t>.</a:t>
-            </a:r>
-          </a:p>
-          <a:p>
-            <a:r>
-              <a:rPr lang="en-IN" dirty="0" smtClean="0"/>
-              <a:t>5volt </a:t>
-            </a:r>
-            <a:r>
-              <a:rPr lang="en-IN" dirty="0"/>
-              <a:t>power adapter for raspberry pi.</a:t>
-            </a:r>
-          </a:p>
-          <a:p>
-            <a:r>
-              <a:rPr lang="en-IN" dirty="0" smtClean="0"/>
-              <a:t>LAN </a:t>
-            </a:r>
-            <a:r>
-              <a:rPr lang="en-IN" dirty="0"/>
-              <a:t>cable .</a:t>
-            </a:r>
-          </a:p>
-          <a:p>
-            <a:r>
-              <a:rPr lang="en-IN" dirty="0" smtClean="0"/>
-              <a:t>Min- </a:t>
-            </a:r>
-            <a:r>
-              <a:rPr lang="en-IN" dirty="0"/>
-              <a:t>2GB micro </a:t>
-            </a:r>
-            <a:r>
-              <a:rPr lang="en-IN" dirty="0" err="1"/>
+              <a:rPr lang="en-IN"/>
+              <a:t>HDMI cable.</a:t>
+            </a:r>
+          </a:p>
+          <a:p>
+            <a:r>
+              <a:rPr lang="en-IN"/>
+              <a:t>Monitor.</a:t>
+            </a:r>
+          </a:p>
+          <a:p>
+            <a:r>
+              <a:rPr lang="en-IN"/>
+              <a:t>Key board.</a:t>
+            </a:r>
+          </a:p>
+          <a:p>
+            <a:r>
+              <a:rPr lang="en-IN"/>
+              <a:t>Mouse.</a:t>
+            </a:r>
+          </a:p>
+          <a:p>
+            <a:r>
+              <a:rPr lang="en-IN"/>
+              <a:t>5volt power adapter for raspberry pi.</a:t>
+            </a:r>
+          </a:p>
+          <a:p>
+            <a:r>
+              <a:rPr lang="en-IN"/>
+              <a:t>LAN cable .</a:t>
+            </a:r>
+          </a:p>
+          <a:p>
+            <a:r>
+              <a:rPr lang="en-IN"/>
+              <a:t>Min- 2GB micro </a:t>
+            </a:r>
+            <a:r>
+              <a:rPr lang="en-IN" err="1"/>
               <a:t>sd</a:t>
             </a:r>
             <a:r>
-              <a:rPr lang="en-IN" dirty="0"/>
+              <a:rPr lang="en-IN"/>
               <a:t> card</a:t>
             </a:r>
           </a:p>
@@ -5047,10 +5102,10 @@
           <a:lstStyle/>
           <a:p>
             <a:r>
-              <a:rPr lang="en-GB" dirty="0"/>
+              <a:rPr lang="en-GB"/>
               <a:t>Basic Set up for Raspberry Pi</a:t>
             </a:r>
-            <a:endParaRPr lang="en-IN" dirty="0"/>
+            <a:endParaRPr lang="en-IN"/>
           </a:p>
         </p:txBody>
       </p:sp>
@@ -5102,7 +5157,7 @@
         </p:blipFill>
         <p:spPr>
           <a:xfrm>
-            <a:off x="1286814" y="1406770"/>
+            <a:off x="733253" y="1068483"/>
             <a:ext cx="6395283" cy="4431322"/>
           </a:xfrm>
           <a:prstGeom prst="rect">
@@ -5131,14 +5186,9 @@
           <a:lstStyle/>
           <a:p>
             <a:r>
-              <a:rPr lang="en-IN" dirty="0"/>
-              <a:t>Raspberry Pi </a:t>
-            </a:r>
-            <a:r>
-              <a:rPr lang="en-IN" dirty="0" smtClean="0"/>
-              <a:t>Pin Configuration</a:t>
-            </a:r>
-            <a:endParaRPr lang="en-IN" dirty="0"/>
+              <a:rPr lang="en-IN"/>
+              <a:t>Raspberry Pi Pin Configuration</a:t>
+            </a:r>
           </a:p>
         </p:txBody>
       </p:sp>
@@ -5189,59 +5239,59 @@
           </a:xfrm>
         </p:spPr>
         <p:txBody>
-          <a:bodyPr/>
+          <a:bodyPr vert="horz" lIns="91440" tIns="45720" rIns="91440" bIns="45720" rtlCol="0" anchor="t">
+            <a:normAutofit/>
+          </a:bodyPr>
           <a:lstStyle/>
           <a:p>
             <a:r>
-              <a:rPr lang="en-GB" dirty="0"/>
+              <a:rPr lang="en-GB">
+                <a:latin typeface="Georgia"/>
+              </a:rPr>
               <a:t>Act as both digital output and digital input.</a:t>
             </a:r>
           </a:p>
           <a:p>
             <a:r>
-              <a:rPr lang="en-GB" dirty="0" smtClean="0"/>
-              <a:t>Output</a:t>
-            </a:r>
-            <a:r>
-              <a:rPr lang="en-GB" dirty="0"/>
-              <a:t>: turn a GPIO pin high or low.</a:t>
-            </a:r>
-          </a:p>
-          <a:p>
-            <a:r>
-              <a:rPr lang="en-GB" dirty="0" smtClean="0"/>
-              <a:t>Input</a:t>
-            </a:r>
-            <a:r>
-              <a:rPr lang="en-GB" dirty="0"/>
-              <a:t>: detect a GPIO pin high or low</a:t>
-            </a:r>
-            <a:r>
-              <a:rPr lang="en-GB" dirty="0" smtClean="0"/>
-              <a:t>.</a:t>
-            </a:r>
-            <a:endParaRPr lang="en-IN" dirty="0"/>
-          </a:p>
-          <a:p>
-            <a:endParaRPr lang="en-US" dirty="0" smtClean="0"/>
+              <a:rPr lang="en-GB">
+                <a:latin typeface="Georgia"/>
+              </a:rPr>
+              <a:t>Output: turn a GPIO pin high or low.</a:t>
+            </a:r>
+          </a:p>
+          <a:p>
+            <a:r>
+              <a:rPr lang="en-GB">
+                <a:latin typeface="Georgia"/>
+              </a:rPr>
+              <a:t>Input: detect a GPIO pin high or low.</a:t>
+            </a:r>
+            <a:endParaRPr lang="en-IN">
+              <a:latin typeface="Georgia"/>
+            </a:endParaRPr>
+          </a:p>
+          <a:p>
+            <a:endParaRPr lang="en-US"/>
           </a:p>
           <a:p>
             <a:pPr marL="0" indent="0">
               <a:buNone/>
             </a:pPr>
             <a:r>
-              <a:rPr lang="en-GB" sz="1800" dirty="0">
+              <a:rPr lang="en-GB" sz="1800">
+                <a:latin typeface="Georgia"/>
                 <a:hlinkClick r:id="rId2"/>
               </a:rPr>
               <a:t>What are GPIO pins on Raspberry Pi? – </a:t>
             </a:r>
             <a:r>
-              <a:rPr lang="en-GB" sz="1800" dirty="0" err="1">
+              <a:rPr lang="en-GB" sz="1800" err="1">
+                <a:latin typeface="Georgia"/>
                 <a:hlinkClick r:id="rId2"/>
               </a:rPr>
               <a:t>RaspberryTips</a:t>
             </a:r>
-            <a:endParaRPr lang="en-IN" sz="1800" dirty="0"/>
+            <a:endParaRPr lang="en-IN" sz="1800"/>
           </a:p>
         </p:txBody>
       </p:sp>
@@ -5266,7 +5316,7 @@
           <a:lstStyle/>
           <a:p>
             <a:r>
-              <a:rPr lang="en-IN" dirty="0"/>
+              <a:rPr lang="en-IN"/>
               <a:t>Raspberry Pi GPIO</a:t>
             </a:r>
           </a:p>
@@ -5325,94 +5375,77 @@
           <a:lstStyle/>
           <a:p>
             <a:r>
-              <a:rPr lang="en-IN" dirty="0"/>
+              <a:rPr lang="en-IN"/>
               <a:t>Official Supported OS :</a:t>
             </a:r>
           </a:p>
           <a:p>
             <a:pPr lvl="1"/>
             <a:r>
-              <a:rPr lang="en-GB" dirty="0"/>
+              <a:rPr lang="en-GB"/>
               <a:t>Raspberry Pi OS (previously called </a:t>
             </a:r>
             <a:r>
-              <a:rPr lang="en-GB" dirty="0" err="1"/>
+              <a:rPr lang="en-GB" err="1"/>
               <a:t>Raspbian</a:t>
             </a:r>
             <a:r>
-              <a:rPr lang="en-GB" dirty="0" smtClean="0"/>
+              <a:rPr lang="en-GB"/>
               <a:t>)</a:t>
             </a:r>
-            <a:endParaRPr lang="en-IN" dirty="0"/>
+            <a:endParaRPr lang="en-IN"/>
           </a:p>
           <a:p>
             <a:pPr lvl="1"/>
             <a:r>
-              <a:rPr lang="en-IN" dirty="0" smtClean="0"/>
+              <a:rPr lang="en-IN"/>
               <a:t>NOOBS</a:t>
             </a:r>
-            <a:endParaRPr lang="en-IN" dirty="0"/>
-          </a:p>
-          <a:p>
-            <a:r>
-              <a:rPr lang="en-IN" dirty="0"/>
+          </a:p>
+          <a:p>
+            <a:r>
+              <a:rPr lang="en-IN"/>
               <a:t>Some of the third party OS :</a:t>
             </a:r>
           </a:p>
           <a:p>
             <a:pPr lvl="1"/>
             <a:r>
-              <a:rPr lang="en-IN" dirty="0" smtClean="0"/>
-              <a:t>UBUNTU </a:t>
-            </a:r>
-            <a:r>
-              <a:rPr lang="en-IN" dirty="0"/>
-              <a:t>mate</a:t>
+              <a:rPr lang="en-IN"/>
+              <a:t>UBUNTU mate</a:t>
             </a:r>
           </a:p>
           <a:p>
             <a:pPr lvl="1"/>
             <a:r>
-              <a:rPr lang="en-IN" dirty="0" smtClean="0"/>
-              <a:t>Snappy </a:t>
-            </a:r>
-            <a:r>
-              <a:rPr lang="en-IN" dirty="0"/>
-              <a:t>Ubuntu core</a:t>
+              <a:rPr lang="en-IN"/>
+              <a:t>Snappy Ubuntu core</a:t>
             </a:r>
           </a:p>
           <a:p>
             <a:pPr lvl="1"/>
             <a:r>
-              <a:rPr lang="en-IN" dirty="0" smtClean="0"/>
-              <a:t>Windows </a:t>
-            </a:r>
-            <a:r>
-              <a:rPr lang="en-IN" dirty="0"/>
-              <a:t>10 core</a:t>
+              <a:rPr lang="en-IN"/>
+              <a:t>Windows 10 core</a:t>
             </a:r>
           </a:p>
           <a:p>
             <a:pPr lvl="1"/>
             <a:r>
-              <a:rPr lang="en-IN" dirty="0" err="1" smtClean="0"/>
+              <a:rPr lang="en-IN" err="1"/>
               <a:t>Pinet</a:t>
             </a:r>
-            <a:endParaRPr lang="en-IN" dirty="0"/>
+            <a:endParaRPr lang="en-IN"/>
           </a:p>
           <a:p>
             <a:pPr lvl="1"/>
             <a:r>
-              <a:rPr lang="en-IN" dirty="0" err="1" smtClean="0"/>
+              <a:rPr lang="en-IN" err="1"/>
               <a:t>Risc</a:t>
             </a:r>
             <a:r>
-              <a:rPr lang="en-IN" dirty="0" smtClean="0"/>
-              <a:t> </a:t>
-            </a:r>
-            <a:r>
-              <a:rPr lang="en-IN" dirty="0"/>
-              <a:t>OS</a:t>
+              <a:rPr lang="en-IN"/>
+              <a:t> OS</a:t>
             </a:r>
           </a:p>
         </p:txBody>
@@ -5438,10 +5471,10 @@
           <a:lstStyle/>
           <a:p>
             <a:r>
-              <a:rPr lang="en-GB" dirty="0"/>
+              <a:rPr lang="en-GB"/>
               <a:t>Operating System</a:t>
             </a:r>
-            <a:endParaRPr lang="en-IN" dirty="0"/>
+            <a:endParaRPr lang="en-IN"/>
           </a:p>
         </p:txBody>
       </p:sp>
@@ -6310,12 +6343,6 @@
 </file>
 
 <file path=customXml/item1.xml><?xml version="1.0" encoding="utf-8"?>
-<p:properties xmlns:p="http://schemas.microsoft.com/office/2006/metadata/properties" xmlns:xsi="http://www.w3.org/2001/XMLSchema-instance" xmlns:pc="http://schemas.microsoft.com/office/infopath/2007/PartnerControls">
-  <documentManagement/>
-</p:properties>
-</file>
-
-<file path=customXml/item2.xml><?xml version="1.0" encoding="utf-8"?>
 <?mso-contentType ?>
 <FormTemplates xmlns="http://schemas.microsoft.com/sharepoint/v3/contenttype/forms">
   <Display>DocumentLibraryForm</Display>
@@ -6324,9 +6351,9 @@
 </FormTemplates>
 </file>
 
-<file path=customXml/item3.xml><?xml version="1.0" encoding="utf-8"?>
-<ct:contentTypeSchema xmlns:ct="http://schemas.microsoft.com/office/2006/metadata/contentType" xmlns:ma="http://schemas.microsoft.com/office/2006/metadata/properties/metaAttributes" ct:_="" ma:_="" ma:contentTypeName="Document" ma:contentTypeID="0x010100B7B966E81067A64D92BC2BE7876CD1CB" ma:contentTypeVersion="6" ma:contentTypeDescription="Create a new document." ma:contentTypeScope="" ma:versionID="d2b34d1b009d80a396b73f7c4664346f">
-  <xsd:schema xmlns:xsd="http://www.w3.org/2001/XMLSchema" xmlns:xs="http://www.w3.org/2001/XMLSchema" xmlns:p="http://schemas.microsoft.com/office/2006/metadata/properties" xmlns:ns2="34d23898-f05b-4656-a11b-ecca47a343c4" xmlns:ns3="39f44b73-0db2-4878-a190-763d7db1814e" targetNamespace="http://schemas.microsoft.com/office/2006/metadata/properties" ma:root="true" ma:fieldsID="9454e4bbfe8df668ff0ea268e1a2119c" ns2:_="" ns3:_="">
+<file path=customXml/item2.xml><?xml version="1.0" encoding="utf-8"?>
+<ct:contentTypeSchema xmlns:ct="http://schemas.microsoft.com/office/2006/metadata/contentType" xmlns:ma="http://schemas.microsoft.com/office/2006/metadata/properties/metaAttributes" ct:_="" ma:_="" ma:contentTypeName="Document" ma:contentTypeID="0x010100B7B966E81067A64D92BC2BE7876CD1CB" ma:contentTypeVersion="13" ma:contentTypeDescription="Create a new document." ma:contentTypeScope="" ma:versionID="c170c43da390a3f7c8f166f4a3908bfb">
+  <xsd:schema xmlns:xsd="http://www.w3.org/2001/XMLSchema" xmlns:xs="http://www.w3.org/2001/XMLSchema" xmlns:p="http://schemas.microsoft.com/office/2006/metadata/properties" xmlns:ns2="34d23898-f05b-4656-a11b-ecca47a343c4" xmlns:ns3="39f44b73-0db2-4878-a190-763d7db1814e" targetNamespace="http://schemas.microsoft.com/office/2006/metadata/properties" ma:root="true" ma:fieldsID="b34ec704afcdee094b788f106bea224a" ns2:_="" ns3:_="">
     <xsd:import namespace="34d23898-f05b-4656-a11b-ecca47a343c4"/>
     <xsd:import namespace="39f44b73-0db2-4878-a190-763d7db1814e"/>
     <xsd:element name="properties">
@@ -6341,6 +6368,12 @@
                 <xsd:element ref="ns3:MediaServiceFastMetadata" minOccurs="0"/>
                 <xsd:element ref="ns3:MediaServiceSearchProperties" minOccurs="0"/>
                 <xsd:element ref="ns3:MediaServiceObjectDetectorVersions" minOccurs="0"/>
+                <xsd:element ref="ns3:lcf76f155ced4ddcb4097134ff3c332f" minOccurs="0"/>
+                <xsd:element ref="ns2:TaxCatchAll" minOccurs="0"/>
+                <xsd:element ref="ns3:MediaServiceDateTaken" minOccurs="0"/>
+                <xsd:element ref="ns3:MediaServiceOCR" minOccurs="0"/>
+                <xsd:element ref="ns3:MediaServiceGenerationTime" minOccurs="0"/>
+                <xsd:element ref="ns3:MediaServiceEventHashCode" minOccurs="0"/>
               </xsd:all>
             </xsd:complexType>
           </xsd:element>
@@ -6377,6 +6410,17 @@
         </xsd:restriction>
       </xsd:simpleType>
     </xsd:element>
+    <xsd:element name="TaxCatchAll" ma:index="16" nillable="true" ma:displayName="Taxonomy Catch All Column" ma:hidden="true" ma:list="{bf97a870-936c-42b1-a0e9-b7da1d2ce933}" ma:internalName="TaxCatchAll" ma:showField="CatchAllData" ma:web="34d23898-f05b-4656-a11b-ecca47a343c4">
+      <xsd:complexType>
+        <xsd:complexContent>
+          <xsd:extension base="dms:MultiChoiceLookup">
+            <xsd:sequence>
+              <xsd:element name="Value" type="dms:Lookup" maxOccurs="unbounded" minOccurs="0" nillable="true"/>
+            </xsd:sequence>
+          </xsd:extension>
+        </xsd:complexContent>
+      </xsd:complexType>
+    </xsd:element>
   </xsd:schema>
   <xsd:schema xmlns:xsd="http://www.w3.org/2001/XMLSchema" xmlns:xs="http://www.w3.org/2001/XMLSchema" xmlns:dms="http://schemas.microsoft.com/office/2006/documentManagement/types" xmlns:pc="http://schemas.microsoft.com/office/infopath/2007/PartnerControls" targetNamespace="39f44b73-0db2-4878-a190-763d7db1814e" elementFormDefault="qualified">
     <xsd:import namespace="http://schemas.microsoft.com/office/2006/documentManagement/types"/>
@@ -6397,6 +6441,35 @@
       </xsd:simpleType>
     </xsd:element>
     <xsd:element name="MediaServiceObjectDetectorVersions" ma:index="13" nillable="true" ma:displayName="MediaServiceObjectDetectorVersions" ma:hidden="true" ma:indexed="true" ma:internalName="MediaServiceObjectDetectorVersions" ma:readOnly="true">
+      <xsd:simpleType>
+        <xsd:restriction base="dms:Text"/>
+      </xsd:simpleType>
+    </xsd:element>
+    <xsd:element name="lcf76f155ced4ddcb4097134ff3c332f" ma:index="15" nillable="true" ma:taxonomy="true" ma:internalName="lcf76f155ced4ddcb4097134ff3c332f" ma:taxonomyFieldName="MediaServiceImageTags" ma:displayName="Image Tags" ma:readOnly="false" ma:fieldId="{5cf76f15-5ced-4ddc-b409-7134ff3c332f}" ma:taxonomyMulti="true" ma:sspId="23024002-0845-468f-ab34-1ed290a97328" ma:termSetId="09814cd3-568e-fe90-9814-8d621ff8fb84" ma:anchorId="fba54fb3-c3e1-fe81-a776-ca4b69148c4d" ma:open="true" ma:isKeyword="false">
+      <xsd:complexType>
+        <xsd:sequence>
+          <xsd:element ref="pc:Terms" minOccurs="0" maxOccurs="1"/>
+        </xsd:sequence>
+      </xsd:complexType>
+    </xsd:element>
+    <xsd:element name="MediaServiceDateTaken" ma:index="17" nillable="true" ma:displayName="MediaServiceDateTaken" ma:hidden="true" ma:indexed="true" ma:internalName="MediaServiceDateTaken" ma:readOnly="true">
+      <xsd:simpleType>
+        <xsd:restriction base="dms:Text"/>
+      </xsd:simpleType>
+    </xsd:element>
+    <xsd:element name="MediaServiceOCR" ma:index="18" nillable="true" ma:displayName="Extracted Text" ma:internalName="MediaServiceOCR" ma:readOnly="true">
+      <xsd:simpleType>
+        <xsd:restriction base="dms:Note">
+          <xsd:maxLength value="255"/>
+        </xsd:restriction>
+      </xsd:simpleType>
+    </xsd:element>
+    <xsd:element name="MediaServiceGenerationTime" ma:index="19" nillable="true" ma:displayName="MediaServiceGenerationTime" ma:hidden="true" ma:internalName="MediaServiceGenerationTime" ma:readOnly="true">
+      <xsd:simpleType>
+        <xsd:restriction base="dms:Text"/>
+      </xsd:simpleType>
+    </xsd:element>
+    <xsd:element name="MediaServiceEventHashCode" ma:index="20" nillable="true" ma:displayName="MediaServiceEventHashCode" ma:hidden="true" ma:internalName="MediaServiceEventHashCode" ma:readOnly="true">
       <xsd:simpleType>
         <xsd:restriction base="dms:Text"/>
       </xsd:simpleType>
@@ -6501,23 +6574,18 @@
 </ct:contentTypeSchema>
 </file>
 
-<file path=customXml/itemProps1.xml><?xml version="1.0" encoding="utf-8"?>
-<ds:datastoreItem xmlns:ds="http://schemas.openxmlformats.org/officeDocument/2006/customXml" ds:itemID="{58BA10A7-32D1-4CBE-86CA-9BEB36148BDB}">
-  <ds:schemaRefs>
-    <ds:schemaRef ds:uri="http://www.w3.org/XML/1998/namespace"/>
-    <ds:schemaRef ds:uri="http://schemas.microsoft.com/office/2006/documentManagement/types"/>
-    <ds:schemaRef ds:uri="cc316c72-abf2-40f6-a676-1cbc4ff1db45"/>
-    <ds:schemaRef ds:uri="http://schemas.microsoft.com/office/2006/metadata/properties"/>
-    <ds:schemaRef ds:uri="http://purl.org/dc/elements/1.1/"/>
-    <ds:schemaRef ds:uri="http://purl.org/dc/dcmitype/"/>
-    <ds:schemaRef ds:uri="http://schemas.openxmlformats.org/package/2006/metadata/core-properties"/>
-    <ds:schemaRef ds:uri="http://purl.org/dc/terms/"/>
-    <ds:schemaRef ds:uri="http://schemas.microsoft.com/office/infopath/2007/PartnerControls"/>
-  </ds:schemaRefs>
-</ds:datastoreItem>
+<file path=customXml/item3.xml><?xml version="1.0" encoding="utf-8"?>
+<p:properties xmlns:p="http://schemas.microsoft.com/office/2006/metadata/properties" xmlns:xsi="http://www.w3.org/2001/XMLSchema-instance" xmlns:pc="http://schemas.microsoft.com/office/infopath/2007/PartnerControls">
+  <documentManagement>
+    <TaxCatchAll xmlns="34d23898-f05b-4656-a11b-ecca47a343c4" xsi:nil="true"/>
+    <lcf76f155ced4ddcb4097134ff3c332f xmlns="39f44b73-0db2-4878-a190-763d7db1814e">
+      <Terms xmlns="http://schemas.microsoft.com/office/infopath/2007/PartnerControls"/>
+    </lcf76f155ced4ddcb4097134ff3c332f>
+  </documentManagement>
+</p:properties>
 </file>
 
-<file path=customXml/itemProps2.xml><?xml version="1.0" encoding="utf-8"?>
+<file path=customXml/itemProps1.xml><?xml version="1.0" encoding="utf-8"?>
 <ds:datastoreItem xmlns:ds="http://schemas.openxmlformats.org/officeDocument/2006/customXml" ds:itemID="{EC2ABF7A-7B66-4C8E-B31E-C1035C03784C}">
   <ds:schemaRefs>
     <ds:schemaRef ds:uri="http://schemas.microsoft.com/sharepoint/v3/contenttype/forms"/>
@@ -6525,6 +6593,22 @@
 </ds:datastoreItem>
 </file>
 
+<file path=customXml/itemProps2.xml><?xml version="1.0" encoding="utf-8"?>
+<ds:datastoreItem xmlns:ds="http://schemas.openxmlformats.org/officeDocument/2006/customXml" ds:itemID="{0B8CAEC6-458C-456B-AB1B-F055401316F8}"/>
+</file>
+
 <file path=customXml/itemProps3.xml><?xml version="1.0" encoding="utf-8"?>
-<ds:datastoreItem xmlns:ds="http://schemas.openxmlformats.org/officeDocument/2006/customXml" ds:itemID="{82302B10-4C97-47FD-8DB3-29A9B4B65ACF}"/>
+<ds:datastoreItem xmlns:ds="http://schemas.openxmlformats.org/officeDocument/2006/customXml" ds:itemID="{58BA10A7-32D1-4CBE-86CA-9BEB36148BDB}">
+  <ds:schemaRefs>
+    <ds:schemaRef ds:uri="cc316c72-abf2-40f6-a676-1cbc4ff1db45"/>
+    <ds:schemaRef ds:uri="http://purl.org/dc/dcmitype/"/>
+    <ds:schemaRef ds:uri="http://purl.org/dc/elements/1.1/"/>
+    <ds:schemaRef ds:uri="http://purl.org/dc/terms/"/>
+    <ds:schemaRef ds:uri="http://schemas.microsoft.com/office/2006/documentManagement/types"/>
+    <ds:schemaRef ds:uri="http://schemas.microsoft.com/office/2006/metadata/properties"/>
+    <ds:schemaRef ds:uri="http://schemas.microsoft.com/office/infopath/2007/PartnerControls"/>
+    <ds:schemaRef ds:uri="http://schemas.openxmlformats.org/package/2006/metadata/core-properties"/>
+    <ds:schemaRef ds:uri="http://www.w3.org/XML/1998/namespace"/>
+  </ds:schemaRefs>
+</ds:datastoreItem>
 </file>